--- a/Data Structures/BST/Tree.pptx
+++ b/Data Structures/BST/Tree.pptx
@@ -5,15 +5,16 @@
     <p:sldMasterId id="2147483648" r:id="rId1"/>
   </p:sldMasterIdLst>
   <p:notesMasterIdLst>
-    <p:notesMasterId r:id="rId5"/>
+    <p:notesMasterId r:id="rId6"/>
   </p:notesMasterIdLst>
   <p:handoutMasterIdLst>
-    <p:handoutMasterId r:id="rId6"/>
+    <p:handoutMasterId r:id="rId7"/>
   </p:handoutMasterIdLst>
   <p:sldIdLst>
     <p:sldId id="257" r:id="rId2"/>
     <p:sldId id="258" r:id="rId3"/>
     <p:sldId id="259" r:id="rId4"/>
+    <p:sldId id="260" r:id="rId5"/>
   </p:sldIdLst>
   <p:sldSz cx="12192000" cy="6858000"/>
   <p:notesSz cx="6858000" cy="9144000"/>
@@ -206,7 +207,7 @@
           <a:p>
             <a:fld id="{0BDBD1D9-3FDD-4C60-943B-7DAF7F36BBC8}" type="datetimeFigureOut">
               <a:rPr lang="en-US" smtClean="0"/>
-              <a:t>4/20/2023</a:t>
+              <a:t>4/22/2023</a:t>
             </a:fld>
             <a:endParaRPr lang="en-US"/>
           </a:p>
@@ -376,7 +377,7 @@
           <a:p>
             <a:fld id="{9D616595-FEC1-48C1-9F92-C9F2B53F8F7E}" type="datetimeFigureOut">
               <a:rPr lang="en-US" smtClean="0"/>
-              <a:t>4/20/2023</a:t>
+              <a:t>4/22/2023</a:t>
             </a:fld>
             <a:endParaRPr lang="en-US"/>
           </a:p>
@@ -776,7 +777,7 @@
           <a:p>
             <a:fld id="{B6B7FAE0-0E2F-46B3-8201-91E6E9B9B009}" type="datetime1">
               <a:rPr lang="en-US" smtClean="0"/>
-              <a:t>4/20/2023</a:t>
+              <a:t>4/22/2023</a:t>
             </a:fld>
             <a:endParaRPr lang="en-US"/>
           </a:p>
@@ -950,7 +951,7 @@
           <a:p>
             <a:fld id="{B5E1F229-E5A2-4C35-8F60-41C0B4B8982D}" type="datetime1">
               <a:rPr lang="en-US" smtClean="0"/>
-              <a:t>4/20/2023</a:t>
+              <a:t>4/22/2023</a:t>
             </a:fld>
             <a:endParaRPr lang="en-US"/>
           </a:p>
@@ -1134,7 +1135,7 @@
           <a:p>
             <a:fld id="{AEC696E9-F878-4549-9CE6-89505440F0C4}" type="datetime1">
               <a:rPr lang="en-US" smtClean="0"/>
-              <a:t>4/20/2023</a:t>
+              <a:t>4/22/2023</a:t>
             </a:fld>
             <a:endParaRPr lang="en-US"/>
           </a:p>
@@ -1308,7 +1309,7 @@
           <a:p>
             <a:fld id="{65B9B7B7-040C-48DF-90E7-24B60089BDA7}" type="datetime1">
               <a:rPr lang="en-US" smtClean="0"/>
-              <a:t>4/20/2023</a:t>
+              <a:t>4/22/2023</a:t>
             </a:fld>
             <a:endParaRPr lang="en-US"/>
           </a:p>
@@ -1558,7 +1559,7 @@
           <a:p>
             <a:fld id="{22EC016E-244F-4B07-B4BC-314D748F5853}" type="datetime1">
               <a:rPr lang="en-US" smtClean="0"/>
-              <a:t>4/20/2023</a:t>
+              <a:t>4/22/2023</a:t>
             </a:fld>
             <a:endParaRPr lang="en-US"/>
           </a:p>
@@ -1794,7 +1795,7 @@
           <a:p>
             <a:fld id="{A892E0EA-252A-45D6-B969-59F7EDC4D784}" type="datetime1">
               <a:rPr lang="en-US" smtClean="0"/>
-              <a:t>4/20/2023</a:t>
+              <a:t>4/22/2023</a:t>
             </a:fld>
             <a:endParaRPr lang="en-US"/>
           </a:p>
@@ -2165,7 +2166,7 @@
           <a:p>
             <a:fld id="{659E6B5E-4CF8-4009-96C5-9AF730EBDE63}" type="datetime1">
               <a:rPr lang="en-US" smtClean="0"/>
-              <a:t>4/20/2023</a:t>
+              <a:t>4/22/2023</a:t>
             </a:fld>
             <a:endParaRPr lang="en-US"/>
           </a:p>
@@ -2287,7 +2288,7 @@
           <a:p>
             <a:fld id="{D27109C5-2C47-46B2-9DFB-E1CFDD15C7EF}" type="datetime1">
               <a:rPr lang="en-US" smtClean="0"/>
-              <a:t>4/20/2023</a:t>
+              <a:t>4/22/2023</a:t>
             </a:fld>
             <a:endParaRPr lang="en-US"/>
           </a:p>
@@ -2386,7 +2387,7 @@
           <a:p>
             <a:fld id="{86D6E499-D4FC-4A15-8D3C-923D81848AAD}" type="datetime1">
               <a:rPr lang="en-US" smtClean="0"/>
-              <a:t>4/20/2023</a:t>
+              <a:t>4/22/2023</a:t>
             </a:fld>
             <a:endParaRPr lang="en-US"/>
           </a:p>
@@ -2667,7 +2668,7 @@
           <a:p>
             <a:fld id="{FC71C662-0A09-434E-AAE5-5159A3DAB153}" type="datetime1">
               <a:rPr lang="en-US" smtClean="0"/>
-              <a:t>4/20/2023</a:t>
+              <a:t>4/22/2023</a:t>
             </a:fld>
             <a:endParaRPr lang="en-US"/>
           </a:p>
@@ -2924,7 +2925,7 @@
           <a:p>
             <a:fld id="{96E1C0E6-B513-446F-AAA1-CA5A4B0FD833}" type="datetime1">
               <a:rPr lang="en-US" smtClean="0"/>
-              <a:t>4/20/2023</a:t>
+              <a:t>4/22/2023</a:t>
             </a:fld>
             <a:endParaRPr lang="en-US"/>
           </a:p>
@@ -3141,7 +3142,7 @@
           <a:p>
             <a:fld id="{EEB9B53E-3028-47A0-AB40-E02EC842F787}" type="datetime1">
               <a:rPr lang="en-US" smtClean="0"/>
-              <a:t>4/20/2023</a:t>
+              <a:t>4/22/2023</a:t>
             </a:fld>
             <a:endParaRPr lang="en-US"/>
           </a:p>
@@ -4136,6 +4137,194 @@
     <p:extLst>
       <p:ext uri="{BB962C8B-B14F-4D97-AF65-F5344CB8AC3E}">
         <p14:creationId xmlns:p14="http://schemas.microsoft.com/office/powerpoint/2010/main" val="2973897190"/>
+      </p:ext>
+    </p:extLst>
+  </p:cSld>
+  <p:clrMapOvr>
+    <a:masterClrMapping/>
+  </p:clrMapOvr>
+</p:sld>
+</file>
+
+<file path=ppt/slides/slide4.xml><?xml version="1.0" encoding="utf-8"?>
+<p:sld xmlns:a="http://schemas.openxmlformats.org/drawingml/2006/main" xmlns:r="http://schemas.openxmlformats.org/officeDocument/2006/relationships" xmlns:p="http://schemas.openxmlformats.org/presentationml/2006/main">
+  <p:cSld>
+    <p:spTree>
+      <p:nvGrpSpPr>
+        <p:cNvPr id="1" name=""/>
+        <p:cNvGrpSpPr/>
+        <p:nvPr/>
+      </p:nvGrpSpPr>
+      <p:grpSpPr>
+        <a:xfrm>
+          <a:off x="0" y="0"/>
+          <a:ext cx="0" cy="0"/>
+          <a:chOff x="0" y="0"/>
+          <a:chExt cx="0" cy="0"/>
+        </a:xfrm>
+      </p:grpSpPr>
+      <p:sp>
+        <p:nvSpPr>
+          <p:cNvPr id="3" name="Content Placeholder 2"/>
+          <p:cNvSpPr>
+            <a:spLocks noGrp="1"/>
+          </p:cNvSpPr>
+          <p:nvPr>
+            <p:ph idx="1"/>
+          </p:nvPr>
+        </p:nvSpPr>
+        <p:spPr>
+          <a:xfrm>
+            <a:off x="838200" y="690508"/>
+            <a:ext cx="10515600" cy="5394982"/>
+          </a:xfrm>
+        </p:spPr>
+        <p:txBody>
+          <a:bodyPr>
+            <a:normAutofit lnSpcReduction="10000"/>
+          </a:bodyPr>
+          <a:lstStyle/>
+          <a:p>
+            <a:r>
+              <a:rPr lang="en-US" sz="1800" dirty="0" smtClean="0"/>
+              <a:t>Trees Traversals</a:t>
+            </a:r>
+          </a:p>
+          <a:p>
+            <a:r>
+              <a:rPr lang="en-US" sz="1800" dirty="0" smtClean="0"/>
+              <a:t>Visiting every node in the tree</a:t>
+            </a:r>
+          </a:p>
+          <a:p>
+            <a:r>
+              <a:rPr lang="en-US" sz="1800" dirty="0" smtClean="0"/>
+              <a:t>A hierarchical data structure like a tree can be  traversed in different ways</a:t>
+            </a:r>
+          </a:p>
+          <a:p>
+            <a:r>
+              <a:rPr lang="en-US" sz="1800" dirty="0" smtClean="0"/>
+              <a:t>. Depth First Search – The DFS algorithm starts at the root node and explores as far as possible along each branch before backtracking. </a:t>
+            </a:r>
+          </a:p>
+          <a:p>
+            <a:pPr marL="0" indent="0">
+              <a:buNone/>
+            </a:pPr>
+            <a:r>
+              <a:rPr lang="en-US" sz="1800" dirty="0" smtClean="0"/>
+              <a:t>Visit he root node, visit all the nodes the left subtree and visit all the nodes in the right subtree </a:t>
+            </a:r>
+          </a:p>
+          <a:p>
+            <a:pPr marL="0" indent="0">
+              <a:buNone/>
+            </a:pPr>
+            <a:r>
+              <a:rPr lang="en-US" sz="1800" dirty="0" smtClean="0"/>
+              <a:t>Depending on the order in which we do this there can be three types of DFS</a:t>
+            </a:r>
+          </a:p>
+          <a:p>
+            <a:pPr marL="514350" indent="-514350">
+              <a:buAutoNum type="arabicPeriod"/>
+            </a:pPr>
+            <a:r>
+              <a:rPr lang="en-US" sz="1800" dirty="0" smtClean="0"/>
+              <a:t>Preorder – Read the data of the node- visit the left subtree – visit the right subtree</a:t>
+            </a:r>
+          </a:p>
+          <a:p>
+            <a:pPr marL="514350" indent="-514350">
+              <a:buAutoNum type="arabicPeriod"/>
+            </a:pPr>
+            <a:r>
+              <a:rPr lang="en-US" sz="1800" dirty="0" err="1" smtClean="0"/>
+              <a:t>Inorder</a:t>
+            </a:r>
+            <a:r>
+              <a:rPr lang="en-US" sz="1800" dirty="0" smtClean="0"/>
+              <a:t> – visit the left subtree- read the data of the node- visit the right subtree</a:t>
+            </a:r>
+          </a:p>
+          <a:p>
+            <a:pPr marL="514350" indent="-514350">
+              <a:buAutoNum type="arabicPeriod"/>
+            </a:pPr>
+            <a:r>
+              <a:rPr lang="en-US" sz="1800" dirty="0" err="1" smtClean="0"/>
+              <a:t>Postorder</a:t>
+            </a:r>
+            <a:r>
+              <a:rPr lang="en-US" sz="1800" dirty="0" smtClean="0"/>
+              <a:t> – visit t the left subtree- visit the right subtree – read the data for the node</a:t>
+            </a:r>
+          </a:p>
+          <a:p>
+            <a:r>
+              <a:rPr lang="en-US" sz="1800" dirty="0" smtClean="0"/>
+              <a:t>Breadth First Search – Explore all nodes at the present depth prior to moving on to the nodes at the next depth level</a:t>
+            </a:r>
+          </a:p>
+          <a:p>
+            <a:r>
+              <a:rPr lang="en-US" sz="1800" dirty="0" smtClean="0"/>
+              <a:t>1. Create the queue</a:t>
+            </a:r>
+          </a:p>
+          <a:p>
+            <a:r>
+              <a:rPr lang="en-US" sz="1800" dirty="0" smtClean="0"/>
+              <a:t>2. </a:t>
+            </a:r>
+            <a:r>
+              <a:rPr lang="en-US" sz="1800" dirty="0" err="1" smtClean="0"/>
+              <a:t>Enqueue</a:t>
+            </a:r>
+            <a:r>
+              <a:rPr lang="en-US" sz="1800" dirty="0" smtClean="0"/>
+              <a:t> the root node</a:t>
+            </a:r>
+          </a:p>
+          <a:p>
+            <a:r>
+              <a:rPr lang="en-US" sz="1800" dirty="0" smtClean="0"/>
+              <a:t>3. as long as a node exists in the queue – dequeuer the node from the front – read the node’s value – enqueuer the node’s left child if it exists- enqueuer the node’s right child if it exists</a:t>
+            </a:r>
+          </a:p>
+          <a:p>
+            <a:endParaRPr lang="en-US" sz="1800" dirty="0"/>
+          </a:p>
+        </p:txBody>
+      </p:sp>
+      <p:sp>
+        <p:nvSpPr>
+          <p:cNvPr id="4" name="Footer Placeholder 3"/>
+          <p:cNvSpPr>
+            <a:spLocks noGrp="1"/>
+          </p:cNvSpPr>
+          <p:nvPr>
+            <p:ph type="ftr" sz="quarter" idx="11"/>
+          </p:nvPr>
+        </p:nvSpPr>
+        <p:spPr/>
+        <p:txBody>
+          <a:bodyPr/>
+          <a:lstStyle/>
+          <a:p>
+            <a:r>
+              <a:rPr lang="en-US" smtClean="0"/>
+              <a:t>Data Structures</a:t>
+            </a:r>
+            <a:endParaRPr lang="en-US"/>
+          </a:p>
+        </p:txBody>
+      </p:sp>
+    </p:spTree>
+    <p:extLst>
+      <p:ext uri="{BB962C8B-B14F-4D97-AF65-F5344CB8AC3E}">
+        <p14:creationId xmlns:p14="http://schemas.microsoft.com/office/powerpoint/2010/main" val="393376639"/>
       </p:ext>
     </p:extLst>
   </p:cSld>
